--- a/DockerCon2016/DeveloperWorkflows-Lasker.pptx
+++ b/DockerCon2016/DeveloperWorkflows-Lasker.pptx
@@ -5,14 +5,15 @@
     <p:sldMasterId id="2147483648" r:id="rId1"/>
   </p:sldMasterIdLst>
   <p:notesMasterIdLst>
-    <p:notesMasterId r:id="rId7"/>
+    <p:notesMasterId r:id="rId8"/>
   </p:notesMasterIdLst>
   <p:sldIdLst>
     <p:sldId id="256" r:id="rId2"/>
     <p:sldId id="258" r:id="rId3"/>
-    <p:sldId id="259" r:id="rId4"/>
-    <p:sldId id="260" r:id="rId5"/>
-    <p:sldId id="261" r:id="rId6"/>
+    <p:sldId id="262" r:id="rId4"/>
+    <p:sldId id="259" r:id="rId5"/>
+    <p:sldId id="260" r:id="rId6"/>
+    <p:sldId id="261" r:id="rId7"/>
   </p:sldIdLst>
   <p:sldSz cx="9144000" cy="5143500" type="screen16x9"/>
   <p:notesSz cx="6858000" cy="9144000"/>
@@ -644,7 +645,7 @@
             <a:fld id="{B4008EB6-D09E-4580-8CD6-DDB14511944F}" type="slidenum">
               <a:rPr lang="en-US" smtClean="0"/>
               <a:pPr/>
-              <a:t>5</a:t>
+              <a:t>6</a:t>
             </a:fld>
             <a:endParaRPr lang="en-US" dirty="0"/>
           </a:p>
@@ -3411,7 +3412,18 @@
   <p:clrMapOvr>
     <a:masterClrMapping/>
   </p:clrMapOvr>
-  <p:transition spd="med"/>
+  <mc:AlternateContent xmlns:mc="http://schemas.openxmlformats.org/markup-compatibility/2006">
+    <mc:Choice xmlns:p14="http://schemas.microsoft.com/office/powerpoint/2010/main" Requires="p14">
+      <p:transition spd="med" p14:dur="700">
+        <p:fade/>
+      </p:transition>
+    </mc:Choice>
+    <mc:Fallback>
+      <p:transition spd="med">
+        <p:fade/>
+      </p:transition>
+    </mc:Fallback>
+  </mc:AlternateContent>
 </p:sld>
 </file>
 
@@ -4863,9 +4875,18 @@
   <p:clrMapOvr>
     <a:masterClrMapping/>
   </p:clrMapOvr>
-  <p:transition>
-    <p:fade/>
-  </p:transition>
+  <mc:AlternateContent xmlns:mc="http://schemas.openxmlformats.org/markup-compatibility/2006">
+    <mc:Choice xmlns:p14="http://schemas.microsoft.com/office/powerpoint/2010/main" Requires="p14">
+      <p:transition spd="med" p14:dur="700">
+        <p:fade/>
+      </p:transition>
+    </mc:Choice>
+    <mc:Fallback>
+      <p:transition spd="med">
+        <p:fade/>
+      </p:transition>
+    </mc:Fallback>
+  </mc:AlternateContent>
   <p:timing>
     <p:tnLst>
       <p:par>
@@ -5594,6 +5615,48 @@
 </file>
 
 <file path=ppt/slides/slide3.xml><?xml version="1.0" encoding="utf-8"?>
+<p:sld xmlns:a="http://schemas.openxmlformats.org/drawingml/2006/main" xmlns:r="http://schemas.openxmlformats.org/officeDocument/2006/relationships" xmlns:p="http://schemas.openxmlformats.org/presentationml/2006/main">
+  <p:cSld>
+    <p:spTree>
+      <p:nvGrpSpPr>
+        <p:cNvPr id="1" name=""/>
+        <p:cNvGrpSpPr/>
+        <p:nvPr/>
+      </p:nvGrpSpPr>
+      <p:grpSpPr>
+        <a:xfrm>
+          <a:off x="0" y="0"/>
+          <a:ext cx="0" cy="0"/>
+          <a:chOff x="0" y="0"/>
+          <a:chExt cx="0" cy="0"/>
+        </a:xfrm>
+      </p:grpSpPr>
+    </p:spTree>
+    <p:extLst>
+      <p:ext uri="{BB962C8B-B14F-4D97-AF65-F5344CB8AC3E}">
+        <p14:creationId xmlns:p14="http://schemas.microsoft.com/office/powerpoint/2010/main" val="1219896789"/>
+      </p:ext>
+    </p:extLst>
+  </p:cSld>
+  <p:clrMapOvr>
+    <a:masterClrMapping/>
+  </p:clrMapOvr>
+  <mc:AlternateContent xmlns:mc="http://schemas.openxmlformats.org/markup-compatibility/2006">
+    <mc:Choice xmlns:p14="http://schemas.microsoft.com/office/powerpoint/2010/main" Requires="p14">
+      <p:transition spd="med" p14:dur="700">
+        <p:fade/>
+      </p:transition>
+    </mc:Choice>
+    <mc:Fallback>
+      <p:transition spd="med">
+        <p:fade/>
+      </p:transition>
+    </mc:Fallback>
+  </mc:AlternateContent>
+</p:sld>
+</file>
+
+<file path=ppt/slides/slide4.xml><?xml version="1.0" encoding="utf-8"?>
 <p:sld xmlns:a="http://schemas.openxmlformats.org/drawingml/2006/main" xmlns:r="http://schemas.openxmlformats.org/officeDocument/2006/relationships" xmlns:p="http://schemas.openxmlformats.org/presentationml/2006/main">
   <p:cSld>
     <p:spTree>
@@ -19218,13 +19281,13 @@
   <p:clrMapOvr>
     <a:masterClrMapping/>
   </p:clrMapOvr>
-  <mc:AlternateContent xmlns:mc="http://schemas.openxmlformats.org/markup-compatibility/2006" xmlns:p14="http://schemas.microsoft.com/office/powerpoint/2010/main">
-    <mc:Choice Requires="p14">
+  <mc:AlternateContent xmlns:mc="http://schemas.openxmlformats.org/markup-compatibility/2006">
+    <mc:Choice xmlns:p14="http://schemas.microsoft.com/office/powerpoint/2010/main" Requires="p14">
       <p:transition spd="med" p14:dur="700">
         <p:fade/>
       </p:transition>
     </mc:Choice>
-    <mc:Fallback xmlns="">
+    <mc:Fallback>
       <p:transition spd="med">
         <p:fade/>
       </p:transition>
@@ -22126,7 +22189,7 @@
 </p:sld>
 </file>
 
-<file path=ppt/slides/slide4.xml><?xml version="1.0" encoding="utf-8"?>
+<file path=ppt/slides/slide5.xml><?xml version="1.0" encoding="utf-8"?>
 <p:sld xmlns:a="http://schemas.openxmlformats.org/drawingml/2006/main" xmlns:r="http://schemas.openxmlformats.org/officeDocument/2006/relationships" xmlns:p="http://schemas.openxmlformats.org/presentationml/2006/main">
   <p:cSld>
     <p:spTree>
@@ -35073,13 +35136,13 @@
   <p:clrMapOvr>
     <a:masterClrMapping/>
   </p:clrMapOvr>
-  <mc:AlternateContent xmlns:mc="http://schemas.openxmlformats.org/markup-compatibility/2006" xmlns:p14="http://schemas.microsoft.com/office/powerpoint/2010/main">
-    <mc:Choice Requires="p14">
+  <mc:AlternateContent xmlns:mc="http://schemas.openxmlformats.org/markup-compatibility/2006">
+    <mc:Choice xmlns:p14="http://schemas.microsoft.com/office/powerpoint/2010/main" Requires="p14">
       <p:transition spd="med" p14:dur="700">
         <p:fade/>
       </p:transition>
     </mc:Choice>
-    <mc:Fallback xmlns="">
+    <mc:Fallback>
       <p:transition spd="med">
         <p:fade/>
       </p:transition>
@@ -35088,7 +35151,7 @@
 </p:sld>
 </file>
 
-<file path=ppt/slides/slide5.xml><?xml version="1.0" encoding="utf-8"?>
+<file path=ppt/slides/slide6.xml><?xml version="1.0" encoding="utf-8"?>
 <p:sld xmlns:a="http://schemas.openxmlformats.org/drawingml/2006/main" xmlns:r="http://schemas.openxmlformats.org/officeDocument/2006/relationships" xmlns:p="http://schemas.openxmlformats.org/presentationml/2006/main">
   <p:cSld>
     <p:spTree>
@@ -36231,13 +36294,13 @@
   <p:clrMapOvr>
     <a:masterClrMapping/>
   </p:clrMapOvr>
-  <mc:AlternateContent xmlns:mc="http://schemas.openxmlformats.org/markup-compatibility/2006" xmlns:p14="http://schemas.microsoft.com/office/powerpoint/2010/main">
-    <mc:Choice Requires="p14">
+  <mc:AlternateContent xmlns:mc="http://schemas.openxmlformats.org/markup-compatibility/2006">
+    <mc:Choice xmlns:p14="http://schemas.microsoft.com/office/powerpoint/2010/main" Requires="p14">
       <p:transition spd="med" p14:dur="700">
         <p:fade/>
       </p:transition>
     </mc:Choice>
-    <mc:Fallback xmlns="">
+    <mc:Fallback>
       <p:transition spd="med">
         <p:fade/>
       </p:transition>
